--- a/11-summary.pptx
+++ b/11-summary.pptx
@@ -5,10 +5,10 @@
     <p:sldMasterId id="2147483935" r:id="rId4"/>
   </p:sldMasterIdLst>
   <p:notesMasterIdLst>
-    <p:notesMasterId r:id="rId16"/>
+    <p:notesMasterId r:id="rId17"/>
   </p:notesMasterIdLst>
   <p:handoutMasterIdLst>
-    <p:handoutMasterId r:id="rId17"/>
+    <p:handoutMasterId r:id="rId18"/>
   </p:handoutMasterIdLst>
   <p:sldIdLst>
     <p:sldId id="318" r:id="rId5"/>
@@ -22,6 +22,7 @@
     <p:sldId id="1830" r:id="rId13"/>
     <p:sldId id="1846" r:id="rId14"/>
     <p:sldId id="1845" r:id="rId15"/>
+    <p:sldId id="1847" r:id="rId16"/>
   </p:sldIdLst>
   <p:sldSz cx="12188825" cy="6858000"/>
   <p:notesSz cx="7010400" cy="9296400"/>
@@ -265,7 +266,7 @@
           <a:p>
             <a:fld id="{0B842F42-2CE9-4E35-95C1-410DC08A50B1}" type="datetimeFigureOut">
               <a:rPr lang="en-US" smtClean="0"/>
-              <a:t>9/28/2020</a:t>
+              <a:t>10/2/2020</a:t>
             </a:fld>
             <a:endParaRPr lang="en-US"/>
           </a:p>
@@ -430,7 +431,7 @@
           <a:p>
             <a:fld id="{6F282904-F315-4730-8D91-37D99E141A6F}" type="datetimeFigureOut">
               <a:rPr lang="en-US" smtClean="0"/>
-              <a:t>9/28/2020</a:t>
+              <a:t>10/2/2020</a:t>
             </a:fld>
             <a:endParaRPr lang="en-US"/>
           </a:p>
@@ -4972,6 +4973,343 @@
     <p:extLst>
       <p:ext uri="{BB962C8B-B14F-4D97-AF65-F5344CB8AC3E}">
         <p14:creationId xmlns:p14="http://schemas.microsoft.com/office/powerpoint/2010/main" val="3932546652"/>
+      </p:ext>
+    </p:extLst>
+  </p:cSld>
+  <p:clrMapOvr>
+    <a:masterClrMapping/>
+  </p:clrMapOvr>
+</p:sld>
+</file>
+
+<file path=ppt/slides/slide12.xml><?xml version="1.0" encoding="utf-8"?>
+<p:sld xmlns:a="http://schemas.openxmlformats.org/drawingml/2006/main" xmlns:r="http://schemas.openxmlformats.org/officeDocument/2006/relationships" xmlns:p="http://schemas.openxmlformats.org/presentationml/2006/main">
+  <p:cSld>
+    <p:spTree>
+      <p:nvGrpSpPr>
+        <p:cNvPr id="1" name=""/>
+        <p:cNvGrpSpPr/>
+        <p:nvPr/>
+      </p:nvGrpSpPr>
+      <p:grpSpPr>
+        <a:xfrm>
+          <a:off x="0" y="0"/>
+          <a:ext cx="0" cy="0"/>
+          <a:chOff x="0" y="0"/>
+          <a:chExt cx="0" cy="0"/>
+        </a:xfrm>
+      </p:grpSpPr>
+      <p:sp>
+        <p:nvSpPr>
+          <p:cNvPr id="2" name="Title 1">
+            <a:extLst>
+              <a:ext uri="{FF2B5EF4-FFF2-40B4-BE49-F238E27FC236}">
+                <a16:creationId xmlns:a16="http://schemas.microsoft.com/office/drawing/2014/main" id="{8E02AB27-2045-4E87-80E0-2094CC0A96FC}"/>
+              </a:ext>
+            </a:extLst>
+          </p:cNvPr>
+          <p:cNvSpPr>
+            <a:spLocks noGrp="1"/>
+          </p:cNvSpPr>
+          <p:nvPr>
+            <p:ph type="title"/>
+          </p:nvPr>
+        </p:nvSpPr>
+        <p:spPr/>
+        <p:txBody>
+          <a:bodyPr/>
+          <a:lstStyle/>
+          <a:p>
+            <a:r>
+              <a:rPr lang="en-US" dirty="0"/>
+              <a:t>Thanks, and Keep in Touch!</a:t>
+            </a:r>
+          </a:p>
+        </p:txBody>
+      </p:sp>
+      <p:sp>
+        <p:nvSpPr>
+          <p:cNvPr id="3" name="Content Placeholder 2">
+            <a:extLst>
+              <a:ext uri="{FF2B5EF4-FFF2-40B4-BE49-F238E27FC236}">
+                <a16:creationId xmlns:a16="http://schemas.microsoft.com/office/drawing/2014/main" id="{AC6C6B44-DE73-4358-8255-E33A67DEB1E5}"/>
+              </a:ext>
+            </a:extLst>
+          </p:cNvPr>
+          <p:cNvSpPr>
+            <a:spLocks noGrp="1"/>
+          </p:cNvSpPr>
+          <p:nvPr>
+            <p:ph idx="1"/>
+          </p:nvPr>
+        </p:nvSpPr>
+        <p:spPr>
+          <a:xfrm>
+            <a:off x="365760" y="1277008"/>
+            <a:ext cx="11369809" cy="4047778"/>
+          </a:xfrm>
+        </p:spPr>
+        <p:txBody>
+          <a:bodyPr/>
+          <a:lstStyle/>
+          <a:p>
+            <a:r>
+              <a:rPr lang="en-US" b="1" dirty="0">
+                <a:solidFill>
+                  <a:schemeClr val="tx2"/>
+                </a:solidFill>
+              </a:rPr>
+              <a:t>Please complete an evaluation of this tutorial</a:t>
+            </a:r>
+          </a:p>
+          <a:p>
+            <a:pPr lvl="1"/>
+            <a:r>
+              <a:rPr lang="en-US" u="sng" dirty="0">
+                <a:solidFill>
+                  <a:schemeClr val="tx2"/>
+                </a:solidFill>
+                <a:hlinkClick r:id="rId2">
+                  <a:extLst>
+                    <a:ext uri="{A12FA001-AC4F-418D-AE19-62706E023703}">
+                      <ahyp:hlinkClr xmlns:ahyp="http://schemas.microsoft.com/office/drawing/2018/hyperlinkcolor" val="tx"/>
+                    </a:ext>
+                  </a:extLst>
+                </a:hlinkClick>
+              </a:rPr>
+              <a:t>https://submissions.supercomputing.org/?page=Submit&amp;id=TutorialEvaluation&amp;site=sc20</a:t>
+            </a:r>
+            <a:endParaRPr lang="en-US" u="sng" dirty="0">
+              <a:solidFill>
+                <a:schemeClr val="tx2"/>
+              </a:solidFill>
+            </a:endParaRPr>
+          </a:p>
+          <a:p>
+            <a:pPr>
+              <a:spcBef>
+                <a:spcPts val="2400"/>
+              </a:spcBef>
+            </a:pPr>
+            <a:r>
+              <a:rPr lang="en-US" dirty="0"/>
+              <a:t>Email comments and questions to </a:t>
+            </a:r>
+            <a:r>
+              <a:rPr lang="en-US" dirty="0">
+                <a:hlinkClick r:id="rId3"/>
+              </a:rPr>
+              <a:t>bssw-tutorial@lists.mcs.anl.gov</a:t>
+            </a:r>
+            <a:endParaRPr lang="en-US" dirty="0"/>
+          </a:p>
+          <a:p>
+            <a:pPr>
+              <a:spcBef>
+                <a:spcPts val="2400"/>
+              </a:spcBef>
+            </a:pPr>
+            <a:r>
+              <a:rPr lang="en-US" dirty="0"/>
+              <a:t>We’ll provide feedback on pull requests in the hands-on repository</a:t>
+            </a:r>
+          </a:p>
+          <a:p>
+            <a:pPr>
+              <a:spcBef>
+                <a:spcPts val="2400"/>
+              </a:spcBef>
+            </a:pPr>
+            <a:r>
+              <a:rPr lang="en-US" dirty="0"/>
+              <a:t>Follow us:</a:t>
+            </a:r>
+          </a:p>
+          <a:p>
+            <a:pPr lvl="1"/>
+            <a:r>
+              <a:rPr lang="en-US" dirty="0"/>
+              <a:t>IDEAS Productivity project</a:t>
+            </a:r>
+          </a:p>
+          <a:p>
+            <a:pPr lvl="2"/>
+            <a:r>
+              <a:rPr lang="en-US" dirty="0"/>
+              <a:t>Website: </a:t>
+            </a:r>
+            <a:r>
+              <a:rPr lang="en-US" dirty="0">
+                <a:hlinkClick r:id="rId4"/>
+              </a:rPr>
+              <a:t>https://ideas-productivity.org/</a:t>
+            </a:r>
+            <a:endParaRPr lang="en-US" dirty="0"/>
+          </a:p>
+          <a:p>
+            <a:pPr lvl="2"/>
+            <a:r>
+              <a:rPr lang="en-US" dirty="0"/>
+              <a:t>Announcement list: </a:t>
+            </a:r>
+            <a:r>
+              <a:rPr lang="en-US" dirty="0">
+                <a:hlinkClick r:id="rId5"/>
+              </a:rPr>
+              <a:t>http://eepurl.com/cQCyJ5</a:t>
+            </a:r>
+            <a:endParaRPr lang="en-US" dirty="0"/>
+          </a:p>
+          <a:p>
+            <a:pPr lvl="1"/>
+            <a:r>
+              <a:rPr lang="en-US" dirty="0"/>
+              <a:t>Better Scientific Software </a:t>
+            </a:r>
+          </a:p>
+          <a:p>
+            <a:pPr lvl="2"/>
+            <a:r>
+              <a:rPr lang="en-US" dirty="0"/>
+              <a:t>Resources: </a:t>
+            </a:r>
+            <a:r>
+              <a:rPr lang="en-US" dirty="0">
+                <a:hlinkClick r:id="rId6"/>
+              </a:rPr>
+              <a:t>https://bssw.io/</a:t>
+            </a:r>
+            <a:endParaRPr lang="en-US" dirty="0"/>
+          </a:p>
+          <a:p>
+            <a:pPr lvl="2"/>
+            <a:r>
+              <a:rPr lang="en-US" dirty="0"/>
+              <a:t>Monthly digest: </a:t>
+            </a:r>
+            <a:r>
+              <a:rPr lang="en-US" dirty="0">
+                <a:hlinkClick r:id="rId7"/>
+              </a:rPr>
+              <a:t>https://bssw.io/pages/receive-our-email-digest</a:t>
+            </a:r>
+            <a:endParaRPr lang="en-US" dirty="0"/>
+          </a:p>
+          <a:p>
+            <a:pPr lvl="2"/>
+            <a:r>
+              <a:rPr lang="en-US" dirty="0"/>
+              <a:t>RSS feed: </a:t>
+            </a:r>
+            <a:r>
+              <a:rPr lang="en-US" dirty="0">
+                <a:hlinkClick r:id="rId8"/>
+              </a:rPr>
+              <a:t>https://bssw.io/items.rss</a:t>
+            </a:r>
+            <a:endParaRPr lang="en-US" dirty="0"/>
+          </a:p>
+        </p:txBody>
+      </p:sp>
+      <p:sp>
+        <p:nvSpPr>
+          <p:cNvPr id="4" name="Rectangle 3">
+            <a:extLst>
+              <a:ext uri="{FF2B5EF4-FFF2-40B4-BE49-F238E27FC236}">
+                <a16:creationId xmlns:a16="http://schemas.microsoft.com/office/drawing/2014/main" id="{C24EF888-692C-4C4D-A080-C4925EC142EE}"/>
+              </a:ext>
+            </a:extLst>
+          </p:cNvPr>
+          <p:cNvSpPr/>
+          <p:nvPr/>
+        </p:nvSpPr>
+        <p:spPr>
+          <a:xfrm>
+            <a:off x="365760" y="1210792"/>
+            <a:ext cx="10922350" cy="980616"/>
+          </a:xfrm>
+          <a:prstGeom prst="rect">
+            <a:avLst/>
+          </a:prstGeom>
+          <a:noFill/>
+          <a:ln w="57150">
+            <a:solidFill>
+              <a:schemeClr val="tx2"/>
+            </a:solidFill>
+          </a:ln>
+          <a:effectLst>
+            <a:outerShdw blurRad="44450" dist="27940" dir="5400000" algn="ctr">
+              <a:srgbClr val="000000">
+                <a:alpha val="32000"/>
+              </a:srgbClr>
+            </a:outerShdw>
+          </a:effectLst>
+        </p:spPr>
+        <p:txBody>
+          <a:bodyPr rot="0" spcFirstLastPara="0" vertOverflow="overflow" horzOverflow="overflow" vert="horz" wrap="square" lIns="121851" tIns="60925" rIns="121851" bIns="60925" numCol="1" spcCol="0" rtlCol="0" fromWordArt="0" anchor="ctr" anchorCtr="0" forceAA="0" compatLnSpc="1">
+            <a:prstTxWarp prst="textNoShape">
+              <a:avLst/>
+            </a:prstTxWarp>
+            <a:noAutofit/>
+          </a:bodyPr>
+          <a:lstStyle/>
+          <a:p>
+            <a:pPr algn="ctr">
+              <a:lnSpc>
+                <a:spcPct val="90000"/>
+              </a:lnSpc>
+            </a:pPr>
+            <a:endParaRPr lang="en-US" sz="2000" dirty="0">
+              <a:ln w="57150">
+                <a:solidFill>
+                  <a:schemeClr val="tx2"/>
+                </a:solidFill>
+              </a:ln>
+              <a:noFill/>
+            </a:endParaRPr>
+          </a:p>
+        </p:txBody>
+      </p:sp>
+      <p:pic>
+        <p:nvPicPr>
+          <p:cNvPr id="5" name="Picture 4" descr="Screen Shot 2017-01-21 at 6.45.35 PM.png">
+            <a:extLst>
+              <a:ext uri="{FF2B5EF4-FFF2-40B4-BE49-F238E27FC236}">
+                <a16:creationId xmlns:a16="http://schemas.microsoft.com/office/drawing/2014/main" id="{D6757F12-8A37-41BF-B072-336C1D4BDEBB}"/>
+              </a:ext>
+            </a:extLst>
+          </p:cNvPr>
+          <p:cNvPicPr>
+            <a:picLocks noChangeAspect="1"/>
+          </p:cNvPicPr>
+          <p:nvPr/>
+        </p:nvPicPr>
+        <p:blipFill>
+          <a:blip r:embed="rId9" cstate="print">
+            <a:extLst>
+              <a:ext uri="{28A0092B-C50C-407E-A947-70E740481C1C}">
+                <a14:useLocalDpi xmlns:a14="http://schemas.microsoft.com/office/drawing/2010/main" val="0"/>
+              </a:ext>
+            </a:extLst>
+          </a:blip>
+          <a:stretch>
+            <a:fillRect/>
+          </a:stretch>
+        </p:blipFill>
+        <p:spPr>
+          <a:xfrm>
+            <a:off x="8681522" y="5128364"/>
+            <a:ext cx="2109916" cy="905256"/>
+          </a:xfrm>
+          <a:prstGeom prst="rect">
+            <a:avLst/>
+          </a:prstGeom>
+        </p:spPr>
+      </p:pic>
+    </p:spTree>
+    <p:extLst>
+      <p:ext uri="{BB962C8B-B14F-4D97-AF65-F5344CB8AC3E}">
+        <p14:creationId xmlns:p14="http://schemas.microsoft.com/office/powerpoint/2010/main" val="254769955"/>
       </p:ext>
     </p:extLst>
   </p:cSld>
@@ -8240,12 +8578,9 @@
 </file>
 
 <file path=customXml/item1.xml><?xml version="1.0" encoding="utf-8"?>
-<?mso-contentType ?>
-<FormTemplates xmlns="http://schemas.microsoft.com/sharepoint/v3/contenttype/forms">
-  <Display>DocumentLibraryForm</Display>
-  <Edit>DocumentLibraryForm</Edit>
-  <New>DocumentLibraryForm</New>
-</FormTemplates>
+<p:properties xmlns:p="http://schemas.microsoft.com/office/2006/metadata/properties" xmlns:xsi="http://www.w3.org/2001/XMLSchema-instance" xmlns:pc="http://schemas.microsoft.com/office/infopath/2007/PartnerControls">
+  <documentManagement/>
+</p:properties>
 </file>
 
 <file path=customXml/item2.xml><?xml version="1.0" encoding="utf-8"?>
@@ -8298,15 +8633,25 @@
 </file>
 
 <file path=customXml/item3.xml><?xml version="1.0" encoding="utf-8"?>
-<p:properties xmlns:p="http://schemas.microsoft.com/office/2006/metadata/properties" xmlns:xsi="http://www.w3.org/2001/XMLSchema-instance" xmlns:pc="http://schemas.microsoft.com/office/infopath/2007/PartnerControls">
-  <documentManagement/>
-</p:properties>
+<?mso-contentType ?>
+<FormTemplates xmlns="http://schemas.microsoft.com/sharepoint/v3/contenttype/forms">
+  <Display>DocumentLibraryForm</Display>
+  <Edit>DocumentLibraryForm</Edit>
+  <New>DocumentLibraryForm</New>
+</FormTemplates>
 </file>
 
 <file path=customXml/itemProps1.xml><?xml version="1.0" encoding="utf-8"?>
-<ds:datastoreItem xmlns:ds="http://schemas.openxmlformats.org/officeDocument/2006/customXml" ds:itemID="{19E20559-B232-4371-8690-E3D8007EDB82}">
+<ds:datastoreItem xmlns:ds="http://schemas.openxmlformats.org/officeDocument/2006/customXml" ds:itemID="{A50EC660-24D0-43A0-AE5E-E274115E726B}">
   <ds:schemaRefs>
-    <ds:schemaRef ds:uri="http://schemas.microsoft.com/sharepoint/v3/contenttype/forms"/>
+    <ds:schemaRef ds:uri="http://purl.org/dc/terms/"/>
+    <ds:schemaRef ds:uri="http://schemas.openxmlformats.org/package/2006/metadata/core-properties"/>
+    <ds:schemaRef ds:uri="http://schemas.microsoft.com/office/2006/documentManagement/types"/>
+    <ds:schemaRef ds:uri="http://purl.org/dc/elements/1.1/"/>
+    <ds:schemaRef ds:uri="http://schemas.microsoft.com/office/2006/metadata/properties"/>
+    <ds:schemaRef ds:uri="http://www.w3.org/XML/1998/namespace"/>
+    <ds:schemaRef ds:uri="http://purl.org/dc/dcmitype/"/>
+    <ds:schemaRef ds:uri="http://schemas.microsoft.com/office/infopath/2007/PartnerControls"/>
   </ds:schemaRefs>
 </ds:datastoreItem>
 </file>
@@ -8327,16 +8672,9 @@
 </file>
 
 <file path=customXml/itemProps3.xml><?xml version="1.0" encoding="utf-8"?>
-<ds:datastoreItem xmlns:ds="http://schemas.openxmlformats.org/officeDocument/2006/customXml" ds:itemID="{A50EC660-24D0-43A0-AE5E-E274115E726B}">
+<ds:datastoreItem xmlns:ds="http://schemas.openxmlformats.org/officeDocument/2006/customXml" ds:itemID="{19E20559-B232-4371-8690-E3D8007EDB82}">
   <ds:schemaRefs>
-    <ds:schemaRef ds:uri="http://purl.org/dc/terms/"/>
-    <ds:schemaRef ds:uri="http://schemas.openxmlformats.org/package/2006/metadata/core-properties"/>
-    <ds:schemaRef ds:uri="http://schemas.microsoft.com/office/2006/documentManagement/types"/>
-    <ds:schemaRef ds:uri="http://purl.org/dc/elements/1.1/"/>
-    <ds:schemaRef ds:uri="http://schemas.microsoft.com/office/2006/metadata/properties"/>
-    <ds:schemaRef ds:uri="http://www.w3.org/XML/1998/namespace"/>
-    <ds:schemaRef ds:uri="http://purl.org/dc/dcmitype/"/>
-    <ds:schemaRef ds:uri="http://schemas.microsoft.com/office/infopath/2007/PartnerControls"/>
+    <ds:schemaRef ds:uri="http://schemas.microsoft.com/sharepoint/v3/contenttype/forms"/>
   </ds:schemaRefs>
 </ds:datastoreItem>
 </file>